--- a/_site/content/Week06/lab.pptx
+++ b/_site/content/Week06/lab.pptx
@@ -8,21 +8,6 @@
     <p:sldId id="256" r:id="rId2"/>
     <p:sldId id="257" r:id="rId3"/>
     <p:sldId id="258" r:id="rId4"/>
-    <p:sldId id="259" r:id="rId5"/>
-    <p:sldId id="260" r:id="rId6"/>
-    <p:sldId id="261" r:id="rId7"/>
-    <p:sldId id="262" r:id="rId8"/>
-    <p:sldId id="263" r:id="rId9"/>
-    <p:sldId id="264" r:id="rId10"/>
-    <p:sldId id="265" r:id="rId11"/>
-    <p:sldId id="266" r:id="rId12"/>
-    <p:sldId id="267" r:id="rId13"/>
-    <p:sldId id="268" r:id="rId14"/>
-    <p:sldId id="269" r:id="rId15"/>
-    <p:sldId id="270" r:id="rId16"/>
-    <p:sldId id="271" r:id="rId17"/>
-    <p:sldId id="272" r:id="rId18"/>
-    <p:sldId id="273" r:id="rId19"/>
   </p:sldIdLst>
   <p:sldSz cx="12192000" cy="6858000"/>
   <p:notesSz cx="6858000" cy="9144000"/>
@@ -4986,1029 +4971,6 @@
 </p:sld>
 </file>
 
-<file path=ppt/slides/slide10.xml><?xml version="1.0" encoding="utf-8"?>
-<p:sld xmlns:a="http://schemas.openxmlformats.org/drawingml/2006/main" xmlns:r="http://schemas.openxmlformats.org/officeDocument/2006/relationships" xmlns:p="http://schemas.openxmlformats.org/presentationml/2006/main">
-  <p:cSld>
-    <p:spTree>
-      <p:nvGrpSpPr>
-        <p:cNvPr id="1" name=""/>
-        <p:cNvGrpSpPr/>
-        <p:nvPr/>
-      </p:nvGrpSpPr>
-      <p:grpSpPr>
-        <a:xfrm>
-          <a:off x="0" y="0"/>
-          <a:ext cx="0" cy="0"/>
-          <a:chOff x="0" y="0"/>
-          <a:chExt cx="0" cy="0"/>
-        </a:xfrm>
-      </p:grpSpPr>
-      <p:sp>
-        <p:nvSpPr>
-          <p:cNvPr id="3" name="Content Placeholder 2">
-            <a:extLst>
-              <a:ext uri="{FF2B5EF4-FFF2-40B4-BE49-F238E27FC236}">
-                <a16:creationId xmlns:a16="http://schemas.microsoft.com/office/drawing/2014/main" id="{A4EB24F9-04F1-C843-9D71-56C5C024552B}"/>
-              </a:ext>
-            </a:extLst>
-          </p:cNvPr>
-          <p:cNvSpPr>
-            <a:spLocks noGrp="1"/>
-          </p:cNvSpPr>
-          <p:nvPr>
-            <p:ph idx="1"/>
-          </p:nvPr>
-        </p:nvSpPr>
-        <p:spPr/>
-        <p:txBody>
-          <a:bodyPr/>
-          <a:lstStyle/>
-          <a:p>
-            <a:pPr lvl="0" indent="0" marL="0">
-              <a:spcBef>
-                <a:spcPts val="3000"/>
-              </a:spcBef>
-              <a:buNone/>
-            </a:pPr>
-            <a:r>
-              <a:rPr b="1"/>
-              <a:t>Data Collection and Analysis</a:t>
-            </a:r>
-          </a:p>
-          <a:p>
-            <a:pPr lvl="0" indent="0" marL="0">
-              <a:spcBef>
-                <a:spcPts val="3000"/>
-              </a:spcBef>
-              <a:buNone/>
-            </a:pPr>
-            <a:r>
-              <a:rPr b="1"/>
-              <a:t>Real-Time Data Collection</a:t>
-            </a:r>
-          </a:p>
-          <a:p>
-            <a:pPr lvl="0"/>
-            <a:r>
-              <a:rPr/>
-              <a:t>Gather data securely and efficiently</a:t>
-            </a:r>
-          </a:p>
-          <a:p>
-            <a:pPr lvl="0"/>
-            <a:r>
-              <a:rPr/>
-              <a:t>Access participant responses in real-time</a:t>
-            </a:r>
-          </a:p>
-          <a:p>
-            <a:pPr lvl="0" indent="0" marL="0">
-              <a:spcBef>
-                <a:spcPts val="3000"/>
-              </a:spcBef>
-              <a:buNone/>
-            </a:pPr>
-            <a:r>
-              <a:rPr b="1"/>
-              <a:t>Analytical Tools</a:t>
-            </a:r>
-          </a:p>
-          <a:p>
-            <a:pPr lvl="0"/>
-            <a:r>
-              <a:rPr/>
-              <a:t>Built-in tools for basic data analysis</a:t>
-            </a:r>
-          </a:p>
-          <a:p>
-            <a:pPr lvl="0"/>
-            <a:r>
-              <a:rPr/>
-              <a:t>Export data for advanced analysis in other software e.g. SPSS</a:t>
-            </a:r>
-          </a:p>
-        </p:txBody>
-      </p:sp>
-    </p:spTree>
-  </p:cSld>
-</p:sld>
-</file>
-
-<file path=ppt/slides/slide11.xml><?xml version="1.0" encoding="utf-8"?>
-<p:sld xmlns:a="http://schemas.openxmlformats.org/drawingml/2006/main" xmlns:r="http://schemas.openxmlformats.org/officeDocument/2006/relationships" xmlns:p="http://schemas.openxmlformats.org/presentationml/2006/main">
-  <p:cSld>
-    <p:spTree>
-      <p:nvGrpSpPr>
-        <p:cNvPr id="1" name=""/>
-        <p:cNvGrpSpPr/>
-        <p:nvPr/>
-      </p:nvGrpSpPr>
-      <p:grpSpPr>
-        <a:xfrm>
-          <a:off x="0" y="0"/>
-          <a:ext cx="0" cy="0"/>
-          <a:chOff x="0" y="0"/>
-          <a:chExt cx="0" cy="0"/>
-        </a:xfrm>
-      </p:grpSpPr>
-      <p:sp>
-        <p:nvSpPr>
-          <p:cNvPr id="3" name="Content Placeholder 2">
-            <a:extLst>
-              <a:ext uri="{FF2B5EF4-FFF2-40B4-BE49-F238E27FC236}">
-                <a16:creationId xmlns:a16="http://schemas.microsoft.com/office/drawing/2014/main" id="{A4EB24F9-04F1-C843-9D71-56C5C024552B}"/>
-              </a:ext>
-            </a:extLst>
-          </p:cNvPr>
-          <p:cNvSpPr>
-            <a:spLocks noGrp="1"/>
-          </p:cNvSpPr>
-          <p:nvPr>
-            <p:ph idx="1"/>
-          </p:nvPr>
-        </p:nvSpPr>
-        <p:spPr/>
-        <p:txBody>
-          <a:bodyPr/>
-          <a:lstStyle/>
-          <a:p>
-            <a:pPr lvl="0" indent="0" marL="0">
-              <a:spcBef>
-                <a:spcPts val="3000"/>
-              </a:spcBef>
-              <a:buNone/>
-            </a:pPr>
-            <a:r>
-              <a:rPr b="1"/>
-              <a:t>Collaboration and Sharing</a:t>
-            </a:r>
-          </a:p>
-          <a:p>
-            <a:pPr lvl="0" indent="0" marL="0">
-              <a:spcBef>
-                <a:spcPts val="3000"/>
-              </a:spcBef>
-              <a:buNone/>
-            </a:pPr>
-            <a:r>
-              <a:rPr b="1"/>
-              <a:t>Team Collaboration</a:t>
-            </a:r>
-          </a:p>
-          <a:p>
-            <a:pPr lvl="0"/>
-            <a:r>
-              <a:rPr/>
-              <a:t>Share experiments and data with team members</a:t>
-            </a:r>
-          </a:p>
-          <a:p>
-            <a:pPr lvl="0"/>
-            <a:r>
-              <a:rPr/>
-              <a:t>Collaborate on experiment design and analysis</a:t>
-            </a:r>
-          </a:p>
-          <a:p>
-            <a:pPr lvl="0" indent="0" marL="0">
-              <a:spcBef>
-                <a:spcPts val="3000"/>
-              </a:spcBef>
-              <a:buNone/>
-            </a:pPr>
-            <a:r>
-              <a:rPr b="1"/>
-              <a:t>Participant Recruitment</a:t>
-            </a:r>
-          </a:p>
-          <a:p>
-            <a:pPr lvl="0"/>
-            <a:r>
-              <a:rPr/>
-              <a:t>Still needs to be managed via sources outside of Gorilla</a:t>
-            </a:r>
-          </a:p>
-        </p:txBody>
-      </p:sp>
-    </p:spTree>
-  </p:cSld>
-</p:sld>
-</file>
-
-<file path=ppt/slides/slide12.xml><?xml version="1.0" encoding="utf-8"?>
-<p:sld xmlns:a="http://schemas.openxmlformats.org/drawingml/2006/main" xmlns:r="http://schemas.openxmlformats.org/officeDocument/2006/relationships" xmlns:p="http://schemas.openxmlformats.org/presentationml/2006/main">
-  <p:cSld>
-    <p:spTree>
-      <p:nvGrpSpPr>
-        <p:cNvPr id="1" name=""/>
-        <p:cNvGrpSpPr/>
-        <p:nvPr/>
-      </p:nvGrpSpPr>
-      <p:grpSpPr>
-        <a:xfrm>
-          <a:off x="0" y="0"/>
-          <a:ext cx="0" cy="0"/>
-          <a:chOff x="0" y="0"/>
-          <a:chExt cx="0" cy="0"/>
-        </a:xfrm>
-      </p:grpSpPr>
-      <p:sp>
-        <p:nvSpPr>
-          <p:cNvPr id="3" name="Content Placeholder 2">
-            <a:extLst>
-              <a:ext uri="{FF2B5EF4-FFF2-40B4-BE49-F238E27FC236}">
-                <a16:creationId xmlns:a16="http://schemas.microsoft.com/office/drawing/2014/main" id="{A4EB24F9-04F1-C843-9D71-56C5C024552B}"/>
-              </a:ext>
-            </a:extLst>
-          </p:cNvPr>
-          <p:cNvSpPr>
-            <a:spLocks noGrp="1"/>
-          </p:cNvSpPr>
-          <p:nvPr>
-            <p:ph idx="1"/>
-          </p:nvPr>
-        </p:nvSpPr>
-        <p:spPr/>
-        <p:txBody>
-          <a:bodyPr/>
-          <a:lstStyle/>
-          <a:p>
-            <a:pPr lvl="0" indent="0" marL="0">
-              <a:spcBef>
-                <a:spcPts val="3000"/>
-              </a:spcBef>
-              <a:buNone/>
-            </a:pPr>
-            <a:r>
-              <a:rPr b="1"/>
-              <a:t>Gorilla.sc in Psychological Research</a:t>
-            </a:r>
-          </a:p>
-          <a:p>
-            <a:pPr lvl="0" indent="0" marL="0">
-              <a:spcBef>
-                <a:spcPts val="3000"/>
-              </a:spcBef>
-              <a:buNone/>
-            </a:pPr>
-            <a:r>
-              <a:rPr b="1"/>
-              <a:t>Broad Application</a:t>
-            </a:r>
-          </a:p>
-          <a:p>
-            <a:pPr lvl="0"/>
-            <a:r>
-              <a:rPr/>
-              <a:t>Suitable for cognitive, social, and clinical psychology</a:t>
-            </a:r>
-          </a:p>
-          <a:p>
-            <a:pPr lvl="0"/>
-            <a:r>
-              <a:rPr/>
-              <a:t>Ideal for remote and large-scale studies</a:t>
-            </a:r>
-          </a:p>
-          <a:p>
-            <a:pPr lvl="0" indent="0" marL="0">
-              <a:spcBef>
-                <a:spcPts val="3000"/>
-              </a:spcBef>
-              <a:buNone/>
-            </a:pPr>
-            <a:r>
-              <a:rPr b="1"/>
-              <a:t>Impact on Mini-Dissertations</a:t>
-            </a:r>
-          </a:p>
-          <a:p>
-            <a:pPr lvl="0"/>
-            <a:r>
-              <a:rPr/>
-              <a:t>Increases the reach of psychological studies requiring complex stimulus or timing</a:t>
-            </a:r>
-          </a:p>
-          <a:p>
-            <a:pPr lvl="0"/>
-            <a:r>
-              <a:rPr/>
-              <a:t>Not easy to get up and running with this tool</a:t>
-            </a:r>
-          </a:p>
-          <a:p>
-            <a:pPr lvl="0"/>
-            <a:r>
-              <a:rPr/>
-              <a:t>No specialist support - has excellent templates and online support</a:t>
-            </a:r>
-          </a:p>
-        </p:txBody>
-      </p:sp>
-    </p:spTree>
-  </p:cSld>
-</p:sld>
-</file>
-
-<file path=ppt/slides/slide13.xml><?xml version="1.0" encoding="utf-8"?>
-<p:sld xmlns:a="http://schemas.openxmlformats.org/drawingml/2006/main" xmlns:r="http://schemas.openxmlformats.org/officeDocument/2006/relationships" xmlns:p="http://schemas.openxmlformats.org/presentationml/2006/main">
-  <p:cSld>
-    <p:spTree>
-      <p:nvGrpSpPr>
-        <p:cNvPr id="1" name=""/>
-        <p:cNvGrpSpPr/>
-        <p:nvPr/>
-      </p:nvGrpSpPr>
-      <p:grpSpPr>
-        <a:xfrm>
-          <a:off x="0" y="0"/>
-          <a:ext cx="0" cy="0"/>
-          <a:chOff x="0" y="0"/>
-          <a:chExt cx="0" cy="0"/>
-        </a:xfrm>
-      </p:grpSpPr>
-      <p:sp>
-        <p:nvSpPr>
-          <p:cNvPr id="3" name="Content Placeholder 2">
-            <a:extLst>
-              <a:ext uri="{FF2B5EF4-FFF2-40B4-BE49-F238E27FC236}">
-                <a16:creationId xmlns:a16="http://schemas.microsoft.com/office/drawing/2014/main" id="{A4EB24F9-04F1-C843-9D71-56C5C024552B}"/>
-              </a:ext>
-            </a:extLst>
-          </p:cNvPr>
-          <p:cNvSpPr>
-            <a:spLocks noGrp="1"/>
-          </p:cNvSpPr>
-          <p:nvPr>
-            <p:ph idx="1"/>
-          </p:nvPr>
-        </p:nvSpPr>
-        <p:spPr/>
-        <p:txBody>
-          <a:bodyPr/>
-          <a:lstStyle/>
-          <a:p>
-            <a:pPr lvl="0" indent="0" marL="0">
-              <a:spcBef>
-                <a:spcPts val="3000"/>
-              </a:spcBef>
-              <a:buNone/>
-            </a:pPr>
-            <a:r>
-              <a:rPr b="1"/>
-              <a:t>Face-to-Face Experiments</a:t>
-            </a:r>
-          </a:p>
-          <a:p>
-            <a:pPr lvl="0" indent="0" marL="0">
-              <a:spcBef>
-                <a:spcPts val="3000"/>
-              </a:spcBef>
-              <a:buNone/>
-            </a:pPr>
-            <a:r>
-              <a:rPr b="1"/>
-              <a:t>Overview</a:t>
-            </a:r>
-          </a:p>
-          <a:p>
-            <a:pPr lvl="0"/>
-            <a:r>
-              <a:rPr/>
-              <a:t>Traditional method of conducting experiments</a:t>
-            </a:r>
-          </a:p>
-          <a:p>
-            <a:pPr lvl="0"/>
-            <a:r>
-              <a:rPr/>
-              <a:t>Involves direct interaction with participants</a:t>
-            </a:r>
-          </a:p>
-        </p:txBody>
-      </p:sp>
-    </p:spTree>
-  </p:cSld>
-</p:sld>
-</file>
-
-<file path=ppt/slides/slide14.xml><?xml version="1.0" encoding="utf-8"?>
-<p:sld xmlns:a="http://schemas.openxmlformats.org/drawingml/2006/main" xmlns:r="http://schemas.openxmlformats.org/officeDocument/2006/relationships" xmlns:p="http://schemas.openxmlformats.org/presentationml/2006/main">
-  <p:cSld>
-    <p:spTree>
-      <p:nvGrpSpPr>
-        <p:cNvPr id="1" name=""/>
-        <p:cNvGrpSpPr/>
-        <p:nvPr/>
-      </p:nvGrpSpPr>
-      <p:grpSpPr>
-        <a:xfrm>
-          <a:off x="0" y="0"/>
-          <a:ext cx="0" cy="0"/>
-          <a:chOff x="0" y="0"/>
-          <a:chExt cx="0" cy="0"/>
-        </a:xfrm>
-      </p:grpSpPr>
-      <p:sp>
-        <p:nvSpPr>
-          <p:cNvPr id="3" name="Content Placeholder 2">
-            <a:extLst>
-              <a:ext uri="{FF2B5EF4-FFF2-40B4-BE49-F238E27FC236}">
-                <a16:creationId xmlns:a16="http://schemas.microsoft.com/office/drawing/2014/main" id="{A4EB24F9-04F1-C843-9D71-56C5C024552B}"/>
-              </a:ext>
-            </a:extLst>
-          </p:cNvPr>
-          <p:cNvSpPr>
-            <a:spLocks noGrp="1"/>
-          </p:cNvSpPr>
-          <p:nvPr>
-            <p:ph idx="1"/>
-          </p:nvPr>
-        </p:nvSpPr>
-        <p:spPr/>
-        <p:txBody>
-          <a:bodyPr/>
-          <a:lstStyle/>
-          <a:p>
-            <a:pPr lvl="0" indent="0" marL="0">
-              <a:spcBef>
-                <a:spcPts val="3000"/>
-              </a:spcBef>
-              <a:buNone/>
-            </a:pPr>
-            <a:r>
-              <a:rPr b="1"/>
-              <a:t>Pros of Face-to-Face Experiments</a:t>
-            </a:r>
-          </a:p>
-          <a:p>
-            <a:pPr lvl="0" indent="0" marL="0">
-              <a:spcBef>
-                <a:spcPts val="3000"/>
-              </a:spcBef>
-              <a:buNone/>
-            </a:pPr>
-            <a:r>
-              <a:rPr b="1"/>
-              <a:t>Enhanced Interaction</a:t>
-            </a:r>
-          </a:p>
-          <a:p>
-            <a:pPr lvl="0"/>
-            <a:r>
-              <a:rPr/>
-              <a:t>Direct human interaction enriches data quality</a:t>
-            </a:r>
-          </a:p>
-          <a:p>
-            <a:pPr lvl="0" indent="0" marL="0">
-              <a:spcBef>
-                <a:spcPts val="3000"/>
-              </a:spcBef>
-              <a:buNone/>
-            </a:pPr>
-            <a:r>
-              <a:rPr b="1"/>
-              <a:t>Controlled Environment</a:t>
-            </a:r>
-          </a:p>
-          <a:p>
-            <a:pPr lvl="0"/>
-            <a:r>
-              <a:rPr/>
-              <a:t>Better control over experimental conditions</a:t>
-            </a:r>
-          </a:p>
-          <a:p>
-            <a:pPr lvl="0" indent="0" marL="0">
-              <a:spcBef>
-                <a:spcPts val="3000"/>
-              </a:spcBef>
-              <a:buNone/>
-            </a:pPr>
-            <a:r>
-              <a:rPr b="1"/>
-              <a:t>Immediate Feedback</a:t>
-            </a:r>
-          </a:p>
-          <a:p>
-            <a:pPr lvl="0"/>
-            <a:r>
-              <a:rPr/>
-              <a:t>Opportunity for immediate clarification and feedback</a:t>
-            </a:r>
-          </a:p>
-          <a:p>
-            <a:pPr lvl="0" indent="0" marL="0">
-              <a:spcBef>
-                <a:spcPts val="3000"/>
-              </a:spcBef>
-              <a:buNone/>
-            </a:pPr>
-            <a:r>
-              <a:rPr b="1"/>
-              <a:t>Participant Authenticity</a:t>
-            </a:r>
-          </a:p>
-          <a:p>
-            <a:pPr lvl="0"/>
-            <a:r>
-              <a:rPr/>
-              <a:t>Lower risk of false responses (maybe?)</a:t>
-            </a:r>
-          </a:p>
-        </p:txBody>
-      </p:sp>
-    </p:spTree>
-  </p:cSld>
-</p:sld>
-</file>
-
-<file path=ppt/slides/slide15.xml><?xml version="1.0" encoding="utf-8"?>
-<p:sld xmlns:a="http://schemas.openxmlformats.org/drawingml/2006/main" xmlns:r="http://schemas.openxmlformats.org/officeDocument/2006/relationships" xmlns:p="http://schemas.openxmlformats.org/presentationml/2006/main">
-  <p:cSld>
-    <p:spTree>
-      <p:nvGrpSpPr>
-        <p:cNvPr id="1" name=""/>
-        <p:cNvGrpSpPr/>
-        <p:nvPr/>
-      </p:nvGrpSpPr>
-      <p:grpSpPr>
-        <a:xfrm>
-          <a:off x="0" y="0"/>
-          <a:ext cx="0" cy="0"/>
-          <a:chOff x="0" y="0"/>
-          <a:chExt cx="0" cy="0"/>
-        </a:xfrm>
-      </p:grpSpPr>
-      <p:sp>
-        <p:nvSpPr>
-          <p:cNvPr id="3" name="Content Placeholder 2">
-            <a:extLst>
-              <a:ext uri="{FF2B5EF4-FFF2-40B4-BE49-F238E27FC236}">
-                <a16:creationId xmlns:a16="http://schemas.microsoft.com/office/drawing/2014/main" id="{A4EB24F9-04F1-C843-9D71-56C5C024552B}"/>
-              </a:ext>
-            </a:extLst>
-          </p:cNvPr>
-          <p:cNvSpPr>
-            <a:spLocks noGrp="1"/>
-          </p:cNvSpPr>
-          <p:nvPr>
-            <p:ph idx="1"/>
-          </p:nvPr>
-        </p:nvSpPr>
-        <p:spPr/>
-        <p:txBody>
-          <a:bodyPr/>
-          <a:lstStyle/>
-          <a:p>
-            <a:pPr lvl="0" indent="0" marL="0">
-              <a:spcBef>
-                <a:spcPts val="3000"/>
-              </a:spcBef>
-              <a:buNone/>
-            </a:pPr>
-            <a:r>
-              <a:rPr b="1"/>
-              <a:t>Cons of Face-to-Face Experiments</a:t>
-            </a:r>
-          </a:p>
-          <a:p>
-            <a:pPr lvl="0" indent="0" marL="0">
-              <a:spcBef>
-                <a:spcPts val="3000"/>
-              </a:spcBef>
-              <a:buNone/>
-            </a:pPr>
-            <a:r>
-              <a:rPr b="1"/>
-              <a:t>Higher Costs</a:t>
-            </a:r>
-          </a:p>
-          <a:p>
-            <a:pPr lvl="0"/>
-            <a:r>
-              <a:rPr/>
-              <a:t>Greater resource and time investment (maybe?)</a:t>
-            </a:r>
-          </a:p>
-          <a:p>
-            <a:pPr lvl="0" indent="0" marL="0">
-              <a:spcBef>
-                <a:spcPts val="3000"/>
-              </a:spcBef>
-              <a:buNone/>
-            </a:pPr>
-            <a:r>
-              <a:rPr b="1"/>
-              <a:t>Limited Reach</a:t>
-            </a:r>
-          </a:p>
-          <a:p>
-            <a:pPr lvl="0"/>
-            <a:r>
-              <a:rPr/>
-              <a:t>Restricted to participants’ geographical location</a:t>
-            </a:r>
-          </a:p>
-          <a:p>
-            <a:pPr lvl="0" indent="0" marL="0">
-              <a:spcBef>
-                <a:spcPts val="3000"/>
-              </a:spcBef>
-              <a:buNone/>
-            </a:pPr>
-            <a:r>
-              <a:rPr b="1"/>
-              <a:t>Time-Consuming</a:t>
-            </a:r>
-          </a:p>
-          <a:p>
-            <a:pPr lvl="0"/>
-            <a:r>
-              <a:rPr/>
-              <a:t>Scheduling and conducting sessions takes time</a:t>
-            </a:r>
-          </a:p>
-          <a:p>
-            <a:pPr lvl="0" indent="0" marL="0">
-              <a:spcBef>
-                <a:spcPts val="3000"/>
-              </a:spcBef>
-              <a:buNone/>
-            </a:pPr>
-            <a:r>
-              <a:rPr b="1"/>
-              <a:t>Potential Biases</a:t>
-            </a:r>
-          </a:p>
-          <a:p>
-            <a:pPr lvl="0"/>
-            <a:r>
-              <a:rPr/>
-              <a:t>Risk of experimenter or social desirability biases</a:t>
-            </a:r>
-          </a:p>
-        </p:txBody>
-      </p:sp>
-    </p:spTree>
-  </p:cSld>
-</p:sld>
-</file>
-
-<file path=ppt/slides/slide16.xml><?xml version="1.0" encoding="utf-8"?>
-<p:sld xmlns:a="http://schemas.openxmlformats.org/drawingml/2006/main" xmlns:r="http://schemas.openxmlformats.org/officeDocument/2006/relationships" xmlns:p="http://schemas.openxmlformats.org/presentationml/2006/main">
-  <p:cSld>
-    <p:spTree>
-      <p:nvGrpSpPr>
-        <p:cNvPr id="1" name=""/>
-        <p:cNvGrpSpPr/>
-        <p:nvPr/>
-      </p:nvGrpSpPr>
-      <p:grpSpPr>
-        <a:xfrm>
-          <a:off x="0" y="0"/>
-          <a:ext cx="0" cy="0"/>
-          <a:chOff x="0" y="0"/>
-          <a:chExt cx="0" cy="0"/>
-        </a:xfrm>
-      </p:grpSpPr>
-      <p:sp>
-        <p:nvSpPr>
-          <p:cNvPr id="3" name="Content Placeholder 2">
-            <a:extLst>
-              <a:ext uri="{FF2B5EF4-FFF2-40B4-BE49-F238E27FC236}">
-                <a16:creationId xmlns:a16="http://schemas.microsoft.com/office/drawing/2014/main" id="{A4EB24F9-04F1-C843-9D71-56C5C024552B}"/>
-              </a:ext>
-            </a:extLst>
-          </p:cNvPr>
-          <p:cNvSpPr>
-            <a:spLocks noGrp="1"/>
-          </p:cNvSpPr>
-          <p:nvPr>
-            <p:ph idx="1"/>
-          </p:nvPr>
-        </p:nvSpPr>
-        <p:spPr/>
-        <p:txBody>
-          <a:bodyPr/>
-          <a:lstStyle/>
-          <a:p>
-            <a:pPr lvl="0" indent="0" marL="0">
-              <a:spcBef>
-                <a:spcPts val="3000"/>
-              </a:spcBef>
-              <a:buNone/>
-            </a:pPr>
-            <a:r>
-              <a:rPr b="1"/>
-              <a:t>Conclusion</a:t>
-            </a:r>
-          </a:p>
-          <a:p>
-            <a:pPr lvl="0" indent="0" marL="0">
-              <a:spcBef>
-                <a:spcPts val="3000"/>
-              </a:spcBef>
-              <a:buNone/>
-            </a:pPr>
-            <a:r>
-              <a:rPr b="1"/>
-              <a:t>Choosing the Right Method</a:t>
-            </a:r>
-          </a:p>
-          <a:p>
-            <a:pPr lvl="0"/>
-            <a:r>
-              <a:rPr/>
-              <a:t>Depends on research goals, resources, and target population</a:t>
-            </a:r>
-          </a:p>
-          <a:p>
-            <a:pPr lvl="0"/>
-            <a:r>
-              <a:rPr/>
-              <a:t>Both methods offer unique advantages and challenges</a:t>
-            </a:r>
-          </a:p>
-          <a:p>
-            <a:pPr lvl="0" indent="0" marL="0">
-              <a:spcBef>
-                <a:spcPts val="3000"/>
-              </a:spcBef>
-              <a:buNone/>
-            </a:pPr>
-            <a:r>
-              <a:rPr b="1"/>
-              <a:t>Tailoring to Research Needs</a:t>
-            </a:r>
-          </a:p>
-          <a:p>
-            <a:pPr lvl="0"/>
-            <a:r>
-              <a:rPr/>
-              <a:t>Consider the nature of your study and participant accessibility</a:t>
-            </a:r>
-          </a:p>
-          <a:p>
-            <a:pPr lvl="0"/>
-            <a:r>
-              <a:rPr/>
-              <a:t>Balance between quality, ‘cost’, and reach</a:t>
-            </a:r>
-          </a:p>
-        </p:txBody>
-      </p:sp>
-    </p:spTree>
-  </p:cSld>
-</p:sld>
-</file>
-
-<file path=ppt/slides/slide17.xml><?xml version="1.0" encoding="utf-8"?>
-<p:sld xmlns:a="http://schemas.openxmlformats.org/drawingml/2006/main" xmlns:r="http://schemas.openxmlformats.org/officeDocument/2006/relationships" xmlns:p="http://schemas.openxmlformats.org/presentationml/2006/main">
-  <p:cSld>
-    <p:spTree>
-      <p:nvGrpSpPr>
-        <p:cNvPr id="1" name=""/>
-        <p:cNvGrpSpPr/>
-        <p:nvPr/>
-      </p:nvGrpSpPr>
-      <p:grpSpPr>
-        <a:xfrm>
-          <a:off x="0" y="0"/>
-          <a:ext cx="0" cy="0"/>
-          <a:chOff x="0" y="0"/>
-          <a:chExt cx="0" cy="0"/>
-        </a:xfrm>
-      </p:grpSpPr>
-      <p:sp>
-        <p:nvSpPr>
-          <p:cNvPr id="2" name="Title 1">
-            <a:extLst>
-              <a:ext uri="{FF2B5EF4-FFF2-40B4-BE49-F238E27FC236}">
-                <a16:creationId xmlns:a16="http://schemas.microsoft.com/office/drawing/2014/main" id="{F3186003-B489-CA46-A95C-C1AECC0CA4D3}"/>
-              </a:ext>
-            </a:extLst>
-          </p:cNvPr>
-          <p:cNvSpPr>
-            <a:spLocks noGrp="1"/>
-          </p:cNvSpPr>
-          <p:nvPr>
-            <p:ph type="title"/>
-          </p:nvPr>
-        </p:nvSpPr>
-        <p:spPr>
-          <a:xfrm>
-            <a:off x="839788" y="457200"/>
-            <a:ext cx="3932237" cy="1600200"/>
-          </a:xfrm>
-          <a:prstGeom prst="rect">
-            <a:avLst/>
-          </a:prstGeom>
-        </p:spPr>
-        <p:txBody>
-          <a:bodyPr/>
-          <a:lstStyle/>
-          <a:p>
-            <a:pPr lvl="0" indent="0" marL="0">
-              <a:buNone/>
-            </a:pPr>
-            <a:r>
-              <a:rPr/>
-              <a:t>Questions?</a:t>
-            </a:r>
-          </a:p>
-        </p:txBody>
-      </p:sp>
-      <p:sp>
-        <p:nvSpPr>
-          <p:cNvPr id="4" name="Text Placeholder 3">
-            <a:extLst>
-              <a:ext uri="{FF2B5EF4-FFF2-40B4-BE49-F238E27FC236}">
-                <a16:creationId xmlns:a16="http://schemas.microsoft.com/office/drawing/2014/main" id="{898BA411-2A54-A94A-B3FC-826281DBEADF}"/>
-              </a:ext>
-            </a:extLst>
-          </p:cNvPr>
-          <p:cNvSpPr>
-            <a:spLocks noGrp="1"/>
-          </p:cNvSpPr>
-          <p:nvPr>
-            <p:ph idx="2" sz="half" type="body"/>
-          </p:nvPr>
-        </p:nvSpPr>
-        <p:spPr/>
-        <p:txBody>
-          <a:bodyPr/>
-          <a:lstStyle/>
-          <a:p>
-            <a:pPr lvl="0" indent="0" marL="0">
-              <a:spcBef>
-                <a:spcPts val="3000"/>
-              </a:spcBef>
-              <a:buNone/>
-            </a:pPr>
-            <a:r>
-              <a:rPr b="1"/>
-              <a:t>Lab activities</a:t>
-            </a:r>
-          </a:p>
-          <a:p>
-            <a:pPr lvl="0" indent="0" marL="0">
-              <a:buNone/>
-            </a:pPr>
-            <a:r>
-              <a:rPr/>
-              <a:t>Qualtrics (Many of you will use this!)</a:t>
-            </a:r>
-          </a:p>
-          <a:p>
-            <a:pPr lvl="0"/>
-            <a:r>
-              <a:rPr/>
-              <a:t>Log in to an account with your Goldsmiths ID!!</a:t>
-            </a:r>
-          </a:p>
-          <a:p>
-            <a:pPr lvl="0" indent="0" marL="0">
-              <a:spcBef>
-                <a:spcPts val="3000"/>
-              </a:spcBef>
-              <a:buNone/>
-            </a:pPr>
-            <a:r>
-              <a:rPr b="1"/>
-              <a:t>Find the login on the VLE</a:t>
-            </a:r>
-          </a:p>
-          <a:p>
-            <a:pPr lvl="0" indent="0" marL="0">
-              <a:buNone/>
-            </a:pPr>
-            <a:r>
-              <a:rPr>
-                <a:hlinkClick r:id="rId2"/>
-              </a:rPr>
-              <a:t>https://goldpsych.eu.qualtrics.com/login</a:t>
-            </a:r>
-          </a:p>
-        </p:txBody>
-      </p:sp>
-      <p:pic>
-        <p:nvPicPr>
-          <p:cNvPr descr="images/Qualtrics.png" id="0" name="Picture 1"/>
-          <p:cNvPicPr>
-            <a:picLocks noGrp="1" noChangeAspect="1"/>
-          </p:cNvPicPr>
-          <p:nvPr/>
-        </p:nvPicPr>
-        <p:blipFill>
-          <a:blip r:embed="rId3"/>
-          <a:stretch>
-            <a:fillRect/>
-          </a:stretch>
-        </p:blipFill>
-        <p:spPr bwMode="auto">
-          <a:xfrm>
-            <a:off x="5676900" y="977900"/>
-            <a:ext cx="5194300" cy="4864100"/>
-          </a:xfrm>
-          <a:prstGeom prst="rect">
-            <a:avLst/>
-          </a:prstGeom>
-          <a:noFill/>
-          <a:ln w="9525">
-            <a:noFill/>
-            <a:headEnd/>
-            <a:tailEnd/>
-          </a:ln>
-        </p:spPr>
-      </p:pic>
-    </p:spTree>
-  </p:cSld>
-</p:sld>
-</file>
-
-<file path=ppt/slides/slide18.xml><?xml version="1.0" encoding="utf-8"?>
-<p:sld xmlns:a="http://schemas.openxmlformats.org/drawingml/2006/main" xmlns:r="http://schemas.openxmlformats.org/officeDocument/2006/relationships" xmlns:p="http://schemas.openxmlformats.org/presentationml/2006/main">
-  <p:cSld>
-    <p:spTree>
-      <p:nvGrpSpPr>
-        <p:cNvPr id="1" name=""/>
-        <p:cNvGrpSpPr/>
-        <p:nvPr/>
-      </p:nvGrpSpPr>
-      <p:grpSpPr>
-        <a:xfrm>
-          <a:off x="0" y="0"/>
-          <a:ext cx="0" cy="0"/>
-          <a:chOff x="0" y="0"/>
-          <a:chExt cx="0" cy="0"/>
-        </a:xfrm>
-      </p:grpSpPr>
-      <p:sp>
-        <p:nvSpPr>
-          <p:cNvPr id="3" name="Content Placeholder 2">
-            <a:extLst>
-              <a:ext uri="{FF2B5EF4-FFF2-40B4-BE49-F238E27FC236}">
-                <a16:creationId xmlns:a16="http://schemas.microsoft.com/office/drawing/2014/main" id="{A4EB24F9-04F1-C843-9D71-56C5C024552B}"/>
-              </a:ext>
-            </a:extLst>
-          </p:cNvPr>
-          <p:cNvSpPr>
-            <a:spLocks noGrp="1"/>
-          </p:cNvSpPr>
-          <p:nvPr>
-            <p:ph idx="1"/>
-          </p:nvPr>
-        </p:nvSpPr>
-        <p:spPr/>
-        <p:txBody>
-          <a:bodyPr/>
-          <a:lstStyle/>
-          <a:p>
-            <a:pPr lvl="0"/>
-            <a:r>
-              <a:rPr/>
-              <a:t>10% of you will apply for the wrong type of account and be stuck for 2 weeks</a:t>
-            </a:r>
-          </a:p>
-          <a:p>
-            <a:pPr lvl="0" indent="0" marL="0">
-              <a:buNone/>
-            </a:pPr>
-            <a:r>
-              <a:rPr/>
-              <a:t>Familiarise yourself with the Ethics Application process</a:t>
-            </a:r>
-          </a:p>
-          <a:p>
-            <a:pPr lvl="0" indent="0" marL="0">
-              <a:buNone/>
-            </a:pPr>
-            <a:r>
-              <a:rPr/>
-              <a:t>Consider the steps required to bring your study to life! (the rest)</a:t>
-            </a:r>
-          </a:p>
-          <a:p>
-            <a:pPr lvl="0" indent="0" marL="0">
-              <a:spcBef>
-                <a:spcPts val="3000"/>
-              </a:spcBef>
-              <a:buNone/>
-            </a:pPr>
-            <a:r>
-              <a:rPr b="1"/>
-              <a:t>References</a:t>
-            </a:r>
-          </a:p>
-        </p:txBody>
-      </p:sp>
-    </p:spTree>
-  </p:cSld>
-</p:sld>
-</file>
-
 <file path=ppt/slides/slide2.xml><?xml version="1.0" encoding="utf-8"?>
 <p:sld xmlns:a="http://schemas.openxmlformats.org/drawingml/2006/main" xmlns:r="http://schemas.openxmlformats.org/officeDocument/2006/relationships" xmlns:p="http://schemas.openxmlformats.org/presentationml/2006/main">
   <p:cSld>
@@ -6218,94 +5180,50 @@
             </a:r>
           </a:p>
           <a:p>
-            <a:pPr lvl="0" indent="0" marL="0">
-              <a:buNone/>
-            </a:pPr>
+            <a:pPr lvl="0"/>
             <a:r>
               <a:rPr/>
               <a:t>Your ultimate individually written up Mini-Dissertation project MUST conform to the following definitive rules:</a:t>
             </a:r>
           </a:p>
           <a:p>
-            <a:pPr lvl="0" indent="0">
+            <a:pPr lvl="0"/>
+            <a:r>
+              <a:rPr/>
+              <a:t>2x2 ANOVA design with 2 categorical IVs (each with 2 levels) and a single continuous DV</a:t>
+            </a:r>
+          </a:p>
+          <a:p>
+            <a:pPr lvl="0"/>
+            <a:r>
+              <a:rPr/>
+              <a:t>You must obtain ethical approval and prove individual involvement in the process of application</a:t>
+            </a:r>
+          </a:p>
+          <a:p>
+            <a:pPr lvl="0"/>
+            <a:r>
+              <a:rPr/>
+              <a:t>You must make a sample size estimation / Power calculation</a:t>
+            </a:r>
+          </a:p>
+          <a:p>
+            <a:pPr lvl="0"/>
+            <a:r>
+              <a:rPr/>
+              <a:t>You must collect data online and individually contribute to group data collection efforts</a:t>
+            </a:r>
+          </a:p>
+          <a:p>
+            <a:pPr lvl="0" indent="0" marL="0">
+              <a:spcBef>
+                <a:spcPts val="3000"/>
+              </a:spcBef>
               <a:buNone/>
             </a:pPr>
             <a:r>
-              <a:rPr>
-                <a:latin typeface="Courier"/>
-              </a:rPr>
-              <a:t>  2x2 ANOVA design with 2 categorical IVs (each with 2 levels) and a</a:t>
-            </a:r>
-          </a:p>
-          <a:p>
-            <a:pPr lvl="1" indent="0" marL="257175">
-              <a:buNone/>
-            </a:pPr>
-            <a:r>
-              <a:rPr/>
-              <a:t>single continuous DV</a:t>
-            </a:r>
-          </a:p>
-          <a:p>
-            <a:pPr lvl="0" indent="0">
-              <a:buNone/>
-            </a:pPr>
-            <a:r>
-              <a:rPr>
-                <a:latin typeface="Courier"/>
-              </a:rPr>
-              <a:t>  You must obtain ethical approval and prove individual involvement in</a:t>
-            </a:r>
-          </a:p>
-          <a:p>
-            <a:pPr lvl="1" indent="0" marL="257175">
-              <a:buNone/>
-            </a:pPr>
-            <a:r>
-              <a:rPr/>
-              <a:t>the process of application</a:t>
-            </a:r>
-          </a:p>
-          <a:p>
-            <a:pPr lvl="0" indent="0">
-              <a:buNone/>
-            </a:pPr>
-            <a:r>
-              <a:rPr>
-                <a:latin typeface="Courier"/>
-              </a:rPr>
-              <a:t>  You must make a sample size estimation / Power calculation</a:t>
-            </a:r>
-          </a:p>
-          <a:p>
-            <a:pPr lvl="0" indent="0">
-              <a:buNone/>
-            </a:pPr>
-            <a:r>
-              <a:rPr>
-                <a:latin typeface="Courier"/>
-              </a:rPr>
-              <a:t>  You must collect data online and individually contribute to group</a:t>
-            </a:r>
-          </a:p>
-          <a:p>
-            <a:pPr lvl="1" indent="0" marL="257175">
-              <a:buNone/>
-            </a:pPr>
-            <a:r>
-              <a:rPr/>
-              <a:t>data collection efforts</a:t>
-            </a:r>
-          </a:p>
-          <a:p>
-            <a:pPr lvl="0" indent="0">
-              <a:buNone/>
-            </a:pPr>
-            <a:r>
-              <a:rPr>
-                <a:latin typeface="Courier"/>
-              </a:rPr>
-              <a:t>  Your Mini-Dissertation final submission must comprise:</a:t>
+              <a:rPr b="1"/>
+              <a:t>Your Mini-Dissertation final submission must comprise:</a:t>
             </a:r>
           </a:p>
           <a:p>
@@ -6433,749 +5351,7 @@
             </a:pPr>
             <a:r>
               <a:rPr b="1"/>
-              <a:t>Comparing Experiment Modalities</a:t>
-            </a:r>
-          </a:p>
-          <a:p>
-            <a:pPr lvl="0"/>
-            <a:r>
-              <a:rPr/>
-              <a:t>Online Surveys and Experiments</a:t>
-            </a:r>
-          </a:p>
-          <a:p>
-            <a:pPr lvl="1"/>
-            <a:r>
-              <a:rPr/>
-              <a:t>Qualtrics - For surveys, stimulus presentation that don’t require accurate timing</a:t>
-            </a:r>
-          </a:p>
-          <a:p>
-            <a:pPr lvl="1"/>
-            <a:r>
-              <a:rPr/>
-              <a:t>Gorilla.sc - For ‘experimental’ tasks with complex stimulus &gt; presentation or that require response time measures or push-button &gt; responses etc.</a:t>
-            </a:r>
-          </a:p>
-          <a:p>
-            <a:pPr lvl="0"/>
-            <a:r>
-              <a:rPr/>
-              <a:t>Face-to-Face Experiments</a:t>
-            </a:r>
-          </a:p>
-        </p:txBody>
-      </p:sp>
-    </p:spTree>
-  </p:cSld>
-</p:sld>
-</file>
-
-<file path=ppt/slides/slide4.xml><?xml version="1.0" encoding="utf-8"?>
-<p:sld xmlns:a="http://schemas.openxmlformats.org/drawingml/2006/main" xmlns:r="http://schemas.openxmlformats.org/officeDocument/2006/relationships" xmlns:p="http://schemas.openxmlformats.org/presentationml/2006/main">
-  <p:cSld>
-    <p:spTree>
-      <p:nvGrpSpPr>
-        <p:cNvPr id="1" name=""/>
-        <p:cNvGrpSpPr/>
-        <p:nvPr/>
-      </p:nvGrpSpPr>
-      <p:grpSpPr>
-        <a:xfrm>
-          <a:off x="0" y="0"/>
-          <a:ext cx="0" cy="0"/>
-          <a:chOff x="0" y="0"/>
-          <a:chExt cx="0" cy="0"/>
-        </a:xfrm>
-      </p:grpSpPr>
-      <p:sp>
-        <p:nvSpPr>
-          <p:cNvPr id="3" name="Content Placeholder 2">
-            <a:extLst>
-              <a:ext uri="{FF2B5EF4-FFF2-40B4-BE49-F238E27FC236}">
-                <a16:creationId xmlns:a16="http://schemas.microsoft.com/office/drawing/2014/main" id="{A4EB24F9-04F1-C843-9D71-56C5C024552B}"/>
-              </a:ext>
-            </a:extLst>
-          </p:cNvPr>
-          <p:cNvSpPr>
-            <a:spLocks noGrp="1"/>
-          </p:cNvSpPr>
-          <p:nvPr>
-            <p:ph idx="1"/>
-          </p:nvPr>
-        </p:nvSpPr>
-        <p:spPr/>
-        <p:txBody>
-          <a:bodyPr/>
-          <a:lstStyle/>
-          <a:p>
-            <a:pPr lvl="0" indent="0" marL="0">
-              <a:spcBef>
-                <a:spcPts val="3000"/>
-              </a:spcBef>
-              <a:buNone/>
-            </a:pPr>
-            <a:r>
-              <a:rPr b="1"/>
-              <a:t>Online Surveys and Experiments with Qualtrics</a:t>
-            </a:r>
-          </a:p>
-          <a:p>
-            <a:pPr lvl="0" indent="0" marL="0">
-              <a:spcBef>
-                <a:spcPts val="3000"/>
-              </a:spcBef>
-              <a:buNone/>
-            </a:pPr>
-            <a:r>
-              <a:rPr b="1"/>
-              <a:t>Overview</a:t>
-            </a:r>
-          </a:p>
-          <a:p>
-            <a:pPr lvl="0"/>
-            <a:r>
-              <a:rPr/>
-              <a:t>A powerful tool for creating and distributing online surveys</a:t>
-            </a:r>
-          </a:p>
-          <a:p>
-            <a:pPr lvl="0"/>
-            <a:r>
-              <a:rPr/>
-              <a:t>Widely used in psychological research</a:t>
-            </a:r>
-          </a:p>
-          <a:p>
-            <a:pPr lvl="0"/>
-            <a:r>
-              <a:rPr/>
-              <a:t>We have an institutional licence and so it is FREE</a:t>
-            </a:r>
-          </a:p>
-          <a:p>
-            <a:pPr lvl="0"/>
-            <a:r>
-              <a:rPr/>
-              <a:t>No specialist support - has excellent online support</a:t>
-            </a:r>
-          </a:p>
-        </p:txBody>
-      </p:sp>
-    </p:spTree>
-  </p:cSld>
-</p:sld>
-</file>
-
-<file path=ppt/slides/slide5.xml><?xml version="1.0" encoding="utf-8"?>
-<p:sld xmlns:a="http://schemas.openxmlformats.org/drawingml/2006/main" xmlns:r="http://schemas.openxmlformats.org/officeDocument/2006/relationships" xmlns:p="http://schemas.openxmlformats.org/presentationml/2006/main">
-  <p:cSld>
-    <p:spTree>
-      <p:nvGrpSpPr>
-        <p:cNvPr id="1" name=""/>
-        <p:cNvGrpSpPr/>
-        <p:nvPr/>
-      </p:nvGrpSpPr>
-      <p:grpSpPr>
-        <a:xfrm>
-          <a:off x="0" y="0"/>
-          <a:ext cx="0" cy="0"/>
-          <a:chOff x="0" y="0"/>
-          <a:chExt cx="0" cy="0"/>
-        </a:xfrm>
-      </p:grpSpPr>
-      <p:sp>
-        <p:nvSpPr>
-          <p:cNvPr id="3" name="Content Placeholder 2">
-            <a:extLst>
-              <a:ext uri="{FF2B5EF4-FFF2-40B4-BE49-F238E27FC236}">
-                <a16:creationId xmlns:a16="http://schemas.microsoft.com/office/drawing/2014/main" id="{A4EB24F9-04F1-C843-9D71-56C5C024552B}"/>
-              </a:ext>
-            </a:extLst>
-          </p:cNvPr>
-          <p:cNvSpPr>
-            <a:spLocks noGrp="1"/>
-          </p:cNvSpPr>
-          <p:nvPr>
-            <p:ph idx="1"/>
-          </p:nvPr>
-        </p:nvSpPr>
-        <p:spPr/>
-        <p:txBody>
-          <a:bodyPr/>
-          <a:lstStyle/>
-          <a:p>
-            <a:pPr lvl="0" indent="0" marL="0">
-              <a:spcBef>
-                <a:spcPts val="3000"/>
-              </a:spcBef>
-              <a:buNone/>
-            </a:pPr>
-            <a:r>
-              <a:rPr b="1"/>
-              <a:t>Pros of Qualtrics</a:t>
-            </a:r>
-          </a:p>
-          <a:p>
-            <a:pPr lvl="0" indent="0" marL="0">
-              <a:spcBef>
-                <a:spcPts val="3000"/>
-              </a:spcBef>
-              <a:buNone/>
-            </a:pPr>
-            <a:r>
-              <a:rPr b="1"/>
-              <a:t>Accessibility</a:t>
-            </a:r>
-          </a:p>
-          <a:p>
-            <a:pPr lvl="0"/>
-            <a:r>
-              <a:rPr/>
-              <a:t>Reach a wide, diverse audience (if necessary)</a:t>
-            </a:r>
-          </a:p>
-          <a:p>
-            <a:pPr lvl="0"/>
-            <a:r>
-              <a:rPr/>
-              <a:t>Accessible by anyone with a phone or laptop etc</a:t>
-            </a:r>
-          </a:p>
-          <a:p>
-            <a:pPr lvl="0" indent="0" marL="0">
-              <a:spcBef>
-                <a:spcPts val="3000"/>
-              </a:spcBef>
-              <a:buNone/>
-            </a:pPr>
-            <a:r>
-              <a:rPr b="1"/>
-              <a:t>Cost-Effective</a:t>
-            </a:r>
-          </a:p>
-          <a:p>
-            <a:pPr lvl="0"/>
-            <a:r>
-              <a:rPr/>
-              <a:t>Low ‘cost’ compared to face-to-face</a:t>
-            </a:r>
-          </a:p>
-          <a:p>
-            <a:pPr lvl="0" indent="0" marL="0">
-              <a:spcBef>
-                <a:spcPts val="3000"/>
-              </a:spcBef>
-              <a:buNone/>
-            </a:pPr>
-            <a:r>
-              <a:rPr b="1"/>
-              <a:t>Data Management</a:t>
-            </a:r>
-          </a:p>
-          <a:p>
-            <a:pPr lvl="0"/>
-            <a:r>
-              <a:rPr/>
-              <a:t>Automated data collection, scoring and storage</a:t>
-            </a:r>
-          </a:p>
-          <a:p>
-            <a:pPr lvl="0"/>
-            <a:r>
-              <a:rPr/>
-              <a:t>Relatively easy to analyze and export data - but not always simple</a:t>
-            </a:r>
-          </a:p>
-          <a:p>
-            <a:pPr lvl="0" indent="0" marL="0">
-              <a:spcBef>
-                <a:spcPts val="3000"/>
-              </a:spcBef>
-              <a:buNone/>
-            </a:pPr>
-            <a:r>
-              <a:rPr b="1"/>
-              <a:t>Customization</a:t>
-            </a:r>
-          </a:p>
-          <a:p>
-            <a:pPr lvl="0"/>
-            <a:r>
-              <a:rPr/>
-              <a:t>Highly customizable surveys and experiments (video, photos, audio, vignettes)</a:t>
-            </a:r>
-          </a:p>
-          <a:p>
-            <a:pPr lvl="0"/>
-            <a:r>
-              <a:rPr/>
-              <a:t>Supports various question types and logic</a:t>
-            </a:r>
-          </a:p>
-        </p:txBody>
-      </p:sp>
-    </p:spTree>
-  </p:cSld>
-</p:sld>
-</file>
-
-<file path=ppt/slides/slide6.xml><?xml version="1.0" encoding="utf-8"?>
-<p:sld xmlns:a="http://schemas.openxmlformats.org/drawingml/2006/main" xmlns:r="http://schemas.openxmlformats.org/officeDocument/2006/relationships" xmlns:p="http://schemas.openxmlformats.org/presentationml/2006/main">
-  <p:cSld>
-    <p:spTree>
-      <p:nvGrpSpPr>
-        <p:cNvPr id="1" name=""/>
-        <p:cNvGrpSpPr/>
-        <p:nvPr/>
-      </p:nvGrpSpPr>
-      <p:grpSpPr>
-        <a:xfrm>
-          <a:off x="0" y="0"/>
-          <a:ext cx="0" cy="0"/>
-          <a:chOff x="0" y="0"/>
-          <a:chExt cx="0" cy="0"/>
-        </a:xfrm>
-      </p:grpSpPr>
-      <p:sp>
-        <p:nvSpPr>
-          <p:cNvPr id="3" name="Content Placeholder 2">
-            <a:extLst>
-              <a:ext uri="{FF2B5EF4-FFF2-40B4-BE49-F238E27FC236}">
-                <a16:creationId xmlns:a16="http://schemas.microsoft.com/office/drawing/2014/main" id="{A4EB24F9-04F1-C843-9D71-56C5C024552B}"/>
-              </a:ext>
-            </a:extLst>
-          </p:cNvPr>
-          <p:cNvSpPr>
-            <a:spLocks noGrp="1"/>
-          </p:cNvSpPr>
-          <p:nvPr>
-            <p:ph idx="1"/>
-          </p:nvPr>
-        </p:nvSpPr>
-        <p:spPr/>
-        <p:txBody>
-          <a:bodyPr/>
-          <a:lstStyle/>
-          <a:p>
-            <a:pPr lvl="0" indent="0" marL="0">
-              <a:spcBef>
-                <a:spcPts val="3000"/>
-              </a:spcBef>
-              <a:buNone/>
-            </a:pPr>
-            <a:r>
-              <a:rPr b="1"/>
-              <a:t>Cons of Qualtrics</a:t>
-            </a:r>
-          </a:p>
-          <a:p>
-            <a:pPr lvl="0" indent="0" marL="0">
-              <a:spcBef>
-                <a:spcPts val="3000"/>
-              </a:spcBef>
-              <a:buNone/>
-            </a:pPr>
-            <a:r>
-              <a:rPr b="1"/>
-              <a:t>Limited Human Interaction</a:t>
-            </a:r>
-          </a:p>
-          <a:p>
-            <a:pPr lvl="0"/>
-            <a:r>
-              <a:rPr/>
-              <a:t>Lack of personal interaction can affect responses</a:t>
-            </a:r>
-          </a:p>
-          <a:p>
-            <a:pPr lvl="0"/>
-            <a:r>
-              <a:rPr/>
-              <a:t>You put a huge amount of trust in the participant</a:t>
-            </a:r>
-          </a:p>
-          <a:p>
-            <a:pPr lvl="0"/>
-            <a:r>
-              <a:rPr/>
-              <a:t>Not always easy to manage ethical challenges properly</a:t>
-            </a:r>
-          </a:p>
-          <a:p>
-            <a:pPr lvl="0" indent="0" marL="0">
-              <a:spcBef>
-                <a:spcPts val="3000"/>
-              </a:spcBef>
-              <a:buNone/>
-            </a:pPr>
-            <a:r>
-              <a:rPr b="1"/>
-              <a:t>Technical Issues</a:t>
-            </a:r>
-          </a:p>
-          <a:p>
-            <a:pPr lvl="0"/>
-            <a:r>
-              <a:rPr/>
-              <a:t>Dependence on internet connectivity and user tech skills</a:t>
-            </a:r>
-          </a:p>
-          <a:p>
-            <a:pPr lvl="0"/>
-            <a:r>
-              <a:rPr/>
-              <a:t>An error in the build and you are in trouble ####</a:t>
-            </a:r>
-          </a:p>
-          <a:p>
-            <a:pPr lvl="0" indent="0" marL="0">
-              <a:spcBef>
-                <a:spcPts val="3000"/>
-              </a:spcBef>
-              <a:buNone/>
-            </a:pPr>
-            <a:r>
-              <a:rPr b="1"/>
-              <a:t>Response Authenticity</a:t>
-            </a:r>
-          </a:p>
-          <a:p>
-            <a:pPr lvl="0"/>
-            <a:r>
-              <a:rPr/>
-              <a:t>Higher risk of dishonest or inattentive responses (maybe?) #### Sampling Bias</a:t>
-            </a:r>
-          </a:p>
-          <a:p>
-            <a:pPr lvl="0"/>
-            <a:r>
-              <a:rPr/>
-              <a:t>Potential for non-representative samples</a:t>
-            </a:r>
-          </a:p>
-        </p:txBody>
-      </p:sp>
-    </p:spTree>
-  </p:cSld>
-</p:sld>
-</file>
-
-<file path=ppt/slides/slide7.xml><?xml version="1.0" encoding="utf-8"?>
-<p:sld xmlns:a="http://schemas.openxmlformats.org/drawingml/2006/main" xmlns:r="http://schemas.openxmlformats.org/officeDocument/2006/relationships" xmlns:p="http://schemas.openxmlformats.org/presentationml/2006/main">
-  <p:cSld>
-    <p:spTree>
-      <p:nvGrpSpPr>
-        <p:cNvPr id="1" name=""/>
-        <p:cNvGrpSpPr/>
-        <p:nvPr/>
-      </p:nvGrpSpPr>
-      <p:grpSpPr>
-        <a:xfrm>
-          <a:off x="0" y="0"/>
-          <a:ext cx="0" cy="0"/>
-          <a:chOff x="0" y="0"/>
-          <a:chExt cx="0" cy="0"/>
-        </a:xfrm>
-      </p:grpSpPr>
-      <p:sp>
-        <p:nvSpPr>
-          <p:cNvPr id="3" name="Content Placeholder 2">
-            <a:extLst>
-              <a:ext uri="{FF2B5EF4-FFF2-40B4-BE49-F238E27FC236}">
-                <a16:creationId xmlns:a16="http://schemas.microsoft.com/office/drawing/2014/main" id="{A4EB24F9-04F1-C843-9D71-56C5C024552B}"/>
-              </a:ext>
-            </a:extLst>
-          </p:cNvPr>
-          <p:cNvSpPr>
-            <a:spLocks noGrp="1"/>
-          </p:cNvSpPr>
-          <p:nvPr>
-            <p:ph idx="1"/>
-          </p:nvPr>
-        </p:nvSpPr>
-        <p:spPr/>
-        <p:txBody>
-          <a:bodyPr/>
-          <a:lstStyle/>
-          <a:p>
-            <a:pPr lvl="0" indent="0" marL="0">
-              <a:spcBef>
-                <a:spcPts val="3000"/>
-              </a:spcBef>
-              <a:buNone/>
-            </a:pPr>
-            <a:r>
-              <a:rPr b="1"/>
-              <a:t>Introduction to experiments using Gorilla.sc</a:t>
-            </a:r>
-          </a:p>
-          <a:p>
-            <a:pPr lvl="0" indent="0" marL="0">
-              <a:spcBef>
-                <a:spcPts val="3000"/>
-              </a:spcBef>
-              <a:buNone/>
-            </a:pPr>
-            <a:r>
-              <a:rPr b="1"/>
-              <a:t>Gorilla.sc: highly controlled online Psychological Research</a:t>
-            </a:r>
-          </a:p>
-          <a:p>
-            <a:pPr lvl="0"/>
-            <a:r>
-              <a:rPr/>
-              <a:t>A comprehensive online tool for behavioral research</a:t>
-            </a:r>
-          </a:p>
-          <a:p>
-            <a:pPr lvl="0"/>
-            <a:r>
-              <a:rPr/>
-              <a:t>Facilitates creation, deployment, and analysis of experiments</a:t>
-            </a:r>
-          </a:p>
-        </p:txBody>
-      </p:sp>
-    </p:spTree>
-  </p:cSld>
-</p:sld>
-</file>
-
-<file path=ppt/slides/slide8.xml><?xml version="1.0" encoding="utf-8"?>
-<p:sld xmlns:a="http://schemas.openxmlformats.org/drawingml/2006/main" xmlns:r="http://schemas.openxmlformats.org/officeDocument/2006/relationships" xmlns:p="http://schemas.openxmlformats.org/presentationml/2006/main">
-  <p:cSld>
-    <p:spTree>
-      <p:nvGrpSpPr>
-        <p:cNvPr id="1" name=""/>
-        <p:cNvGrpSpPr/>
-        <p:nvPr/>
-      </p:nvGrpSpPr>
-      <p:grpSpPr>
-        <a:xfrm>
-          <a:off x="0" y="0"/>
-          <a:ext cx="0" cy="0"/>
-          <a:chOff x="0" y="0"/>
-          <a:chExt cx="0" cy="0"/>
-        </a:xfrm>
-      </p:grpSpPr>
-      <p:sp>
-        <p:nvSpPr>
-          <p:cNvPr id="3" name="Content Placeholder 2">
-            <a:extLst>
-              <a:ext uri="{FF2B5EF4-FFF2-40B4-BE49-F238E27FC236}">
-                <a16:creationId xmlns:a16="http://schemas.microsoft.com/office/drawing/2014/main" id="{A4EB24F9-04F1-C843-9D71-56C5C024552B}"/>
-              </a:ext>
-            </a:extLst>
-          </p:cNvPr>
-          <p:cNvSpPr>
-            <a:spLocks noGrp="1"/>
-          </p:cNvSpPr>
-          <p:nvPr>
-            <p:ph idx="1"/>
-          </p:nvPr>
-        </p:nvSpPr>
-        <p:spPr/>
-        <p:txBody>
-          <a:bodyPr/>
-          <a:lstStyle/>
-          <a:p>
-            <a:pPr lvl="0" indent="0" marL="0">
-              <a:spcBef>
-                <a:spcPts val="3000"/>
-              </a:spcBef>
-              <a:buNone/>
-            </a:pPr>
-            <a:r>
-              <a:rPr b="1"/>
-              <a:t>Core Features of Gorilla.sc</a:t>
-            </a:r>
-          </a:p>
-          <a:p>
-            <a:pPr lvl="0" indent="0" marL="0">
-              <a:spcBef>
-                <a:spcPts val="3000"/>
-              </a:spcBef>
-              <a:buNone/>
-            </a:pPr>
-            <a:r>
-              <a:rPr b="1"/>
-              <a:t>User-Friendly Interface</a:t>
-            </a:r>
-          </a:p>
-          <a:p>
-            <a:pPr lvl="0"/>
-            <a:r>
-              <a:rPr/>
-              <a:t>Intuitive design for researchers of all levels</a:t>
-            </a:r>
-          </a:p>
-          <a:p>
-            <a:pPr lvl="0"/>
-            <a:r>
-              <a:rPr/>
-              <a:t>Drag-and-drop experiment builder</a:t>
-            </a:r>
-          </a:p>
-          <a:p>
-            <a:pPr lvl="0" indent="0" marL="0">
-              <a:spcBef>
-                <a:spcPts val="3000"/>
-              </a:spcBef>
-              <a:buNone/>
-            </a:pPr>
-            <a:r>
-              <a:rPr b="1"/>
-              <a:t>Requires ‘tokens’ to run</a:t>
-            </a:r>
-          </a:p>
-          <a:p>
-            <a:pPr lvl="0"/>
-            <a:r>
-              <a:rPr/>
-              <a:t>You will need to apply for ‘tokens’ to apply for ethics, and to run the study.</a:t>
-            </a:r>
-          </a:p>
-          <a:p>
-            <a:pPr lvl="0"/>
-            <a:r>
-              <a:rPr/>
-              <a:t>There is usually a limited supply as there is a cost associated with this.</a:t>
-            </a:r>
-          </a:p>
-          <a:p>
-            <a:pPr lvl="0" indent="0" marL="0">
-              <a:spcBef>
-                <a:spcPts val="3000"/>
-              </a:spcBef>
-              <a:buNone/>
-            </a:pPr>
-            <a:r>
-              <a:rPr b="1"/>
-              <a:t>Versatile Experiment Design</a:t>
-            </a:r>
-          </a:p>
-          <a:p>
-            <a:pPr lvl="0"/>
-            <a:r>
-              <a:rPr/>
-              <a:t>Supports a wide range of experimental paradigms</a:t>
-            </a:r>
-          </a:p>
-          <a:p>
-            <a:pPr lvl="0"/>
-            <a:r>
-              <a:rPr/>
-              <a:t>Customizable to suit various research needs</a:t>
-            </a:r>
-          </a:p>
-        </p:txBody>
-      </p:sp>
-    </p:spTree>
-  </p:cSld>
-</p:sld>
-</file>
-
-<file path=ppt/slides/slide9.xml><?xml version="1.0" encoding="utf-8"?>
-<p:sld xmlns:a="http://schemas.openxmlformats.org/drawingml/2006/main" xmlns:r="http://schemas.openxmlformats.org/officeDocument/2006/relationships" xmlns:p="http://schemas.openxmlformats.org/presentationml/2006/main">
-  <p:cSld>
-    <p:spTree>
-      <p:nvGrpSpPr>
-        <p:cNvPr id="1" name=""/>
-        <p:cNvGrpSpPr/>
-        <p:nvPr/>
-      </p:nvGrpSpPr>
-      <p:grpSpPr>
-        <a:xfrm>
-          <a:off x="0" y="0"/>
-          <a:ext cx="0" cy="0"/>
-          <a:chOff x="0" y="0"/>
-          <a:chExt cx="0" cy="0"/>
-        </a:xfrm>
-      </p:grpSpPr>
-      <p:sp>
-        <p:nvSpPr>
-          <p:cNvPr id="3" name="Content Placeholder 2">
-            <a:extLst>
-              <a:ext uri="{FF2B5EF4-FFF2-40B4-BE49-F238E27FC236}">
-                <a16:creationId xmlns:a16="http://schemas.microsoft.com/office/drawing/2014/main" id="{A4EB24F9-04F1-C843-9D71-56C5C024552B}"/>
-              </a:ext>
-            </a:extLst>
-          </p:cNvPr>
-          <p:cNvSpPr>
-            <a:spLocks noGrp="1"/>
-          </p:cNvSpPr>
-          <p:nvPr>
-            <p:ph idx="1"/>
-          </p:nvPr>
-        </p:nvSpPr>
-        <p:spPr/>
-        <p:txBody>
-          <a:bodyPr/>
-          <a:lstStyle/>
-          <a:p>
-            <a:pPr lvl="0" indent="0" marL="0">
-              <a:spcBef>
-                <a:spcPts val="3000"/>
-              </a:spcBef>
-              <a:buNone/>
-            </a:pPr>
-            <a:r>
-              <a:rPr b="1"/>
-              <a:t>Experiment Creation with Gorilla.sc</a:t>
-            </a:r>
-          </a:p>
-          <a:p>
-            <a:pPr lvl="0" indent="0" marL="0">
-              <a:spcBef>
-                <a:spcPts val="3000"/>
-              </a:spcBef>
-              <a:buNone/>
-            </a:pPr>
-            <a:r>
-              <a:rPr b="1"/>
-              <a:t>Building Blocks</a:t>
-            </a:r>
-          </a:p>
-          <a:p>
-            <a:pPr lvl="0"/>
-            <a:r>
-              <a:rPr/>
-              <a:t>Use ‘widgets’ and ‘tasks’ to construct experiments</a:t>
-            </a:r>
-          </a:p>
-          <a:p>
-            <a:pPr lvl="0"/>
-            <a:r>
-              <a:rPr/>
-              <a:t>Easily integrate surveys, quizzes, and cognitive tasks</a:t>
-            </a:r>
-          </a:p>
-          <a:p>
-            <a:pPr lvl="0" indent="0" marL="0">
-              <a:spcBef>
-                <a:spcPts val="3000"/>
-              </a:spcBef>
-              <a:buNone/>
-            </a:pPr>
-            <a:r>
-              <a:rPr b="1"/>
-              <a:t>Advanced Customization</a:t>
-            </a:r>
-          </a:p>
-          <a:p>
-            <a:pPr lvl="0"/>
-            <a:r>
-              <a:rPr/>
-              <a:t>Incorporate complex experimental logic</a:t>
-            </a:r>
-          </a:p>
-          <a:p>
-            <a:pPr lvl="0"/>
-            <a:r>
-              <a:rPr/>
-              <a:t>Customize with CSS and JavaScript for unique requirements</a:t>
+              <a:t>See today’s worksheet on the VLE</a:t>
             </a:r>
           </a:p>
         </p:txBody>
